--- a/Дипломная работа/Предзащита.pptx
+++ b/Дипломная работа/Предзащита.pptx
@@ -9,15 +9,17 @@
     <p:sldId id="266" r:id="rId3"/>
     <p:sldId id="257" r:id="rId4"/>
     <p:sldId id="268" r:id="rId5"/>
-    <p:sldId id="258" r:id="rId6"/>
-    <p:sldId id="269" r:id="rId7"/>
-    <p:sldId id="265" r:id="rId8"/>
-    <p:sldId id="270" r:id="rId9"/>
+    <p:sldId id="269" r:id="rId6"/>
+    <p:sldId id="258" r:id="rId7"/>
+    <p:sldId id="270" r:id="rId8"/>
+    <p:sldId id="265" r:id="rId9"/>
     <p:sldId id="259" r:id="rId10"/>
     <p:sldId id="267" r:id="rId11"/>
     <p:sldId id="260" r:id="rId12"/>
     <p:sldId id="264" r:id="rId13"/>
-    <p:sldId id="261" r:id="rId14"/>
+    <p:sldId id="271" r:id="rId14"/>
+    <p:sldId id="272" r:id="rId15"/>
+    <p:sldId id="261" r:id="rId16"/>
   </p:sldIdLst>
   <p:sldSz cx="12192000" cy="6858000"/>
   <p:notesSz cx="6858000" cy="9144000"/>
@@ -310,7 +312,7 @@
           <a:p>
             <a:fld id="{D5E2AA23-66BC-4D18-B172-603E1DD06669}" type="datetimeFigureOut">
               <a:rPr lang="ru-RU" smtClean="0"/>
-              <a:t>19.12.2024</a:t>
+              <a:t>21.12.2024</a:t>
             </a:fld>
             <a:endParaRPr lang="ru-RU"/>
           </a:p>
@@ -597,7 +599,7 @@
           <a:p>
             <a:fld id="{D5E2AA23-66BC-4D18-B172-603E1DD06669}" type="datetimeFigureOut">
               <a:rPr lang="ru-RU" smtClean="0"/>
-              <a:t>19.12.2024</a:t>
+              <a:t>21.12.2024</a:t>
             </a:fld>
             <a:endParaRPr lang="ru-RU"/>
           </a:p>
@@ -803,7 +805,7 @@
           <a:p>
             <a:fld id="{D5E2AA23-66BC-4D18-B172-603E1DD06669}" type="datetimeFigureOut">
               <a:rPr lang="ru-RU" smtClean="0"/>
-              <a:t>19.12.2024</a:t>
+              <a:t>21.12.2024</a:t>
             </a:fld>
             <a:endParaRPr lang="ru-RU"/>
           </a:p>
@@ -1088,7 +1090,7 @@
           <a:p>
             <a:fld id="{D5E2AA23-66BC-4D18-B172-603E1DD06669}" type="datetimeFigureOut">
               <a:rPr lang="ru-RU" smtClean="0"/>
-              <a:t>19.12.2024</a:t>
+              <a:t>21.12.2024</a:t>
             </a:fld>
             <a:endParaRPr lang="ru-RU"/>
           </a:p>
@@ -1441,7 +1443,7 @@
           <a:p>
             <a:fld id="{D5E2AA23-66BC-4D18-B172-603E1DD06669}" type="datetimeFigureOut">
               <a:rPr lang="ru-RU" smtClean="0"/>
-              <a:t>19.12.2024</a:t>
+              <a:t>21.12.2024</a:t>
             </a:fld>
             <a:endParaRPr lang="ru-RU"/>
           </a:p>
@@ -2076,7 +2078,7 @@
           <a:p>
             <a:fld id="{D5E2AA23-66BC-4D18-B172-603E1DD06669}" type="datetimeFigureOut">
               <a:rPr lang="ru-RU" smtClean="0"/>
-              <a:t>19.12.2024</a:t>
+              <a:t>21.12.2024</a:t>
             </a:fld>
             <a:endParaRPr lang="ru-RU"/>
           </a:p>
@@ -2948,7 +2950,7 @@
           <a:p>
             <a:fld id="{D5E2AA23-66BC-4D18-B172-603E1DD06669}" type="datetimeFigureOut">
               <a:rPr lang="ru-RU" smtClean="0"/>
-              <a:t>19.12.2024</a:t>
+              <a:t>21.12.2024</a:t>
             </a:fld>
             <a:endParaRPr lang="ru-RU"/>
           </a:p>
@@ -3130,7 +3132,7 @@
           <a:p>
             <a:fld id="{D5E2AA23-66BC-4D18-B172-603E1DD06669}" type="datetimeFigureOut">
               <a:rPr lang="ru-RU" smtClean="0"/>
-              <a:t>19.12.2024</a:t>
+              <a:t>21.12.2024</a:t>
             </a:fld>
             <a:endParaRPr lang="ru-RU"/>
           </a:p>
@@ -3322,7 +3324,7 @@
           <a:p>
             <a:fld id="{D5E2AA23-66BC-4D18-B172-603E1DD06669}" type="datetimeFigureOut">
               <a:rPr lang="ru-RU" smtClean="0"/>
-              <a:t>19.12.2024</a:t>
+              <a:t>21.12.2024</a:t>
             </a:fld>
             <a:endParaRPr lang="ru-RU"/>
           </a:p>
@@ -3504,7 +3506,7 @@
           <a:p>
             <a:fld id="{D5E2AA23-66BC-4D18-B172-603E1DD06669}" type="datetimeFigureOut">
               <a:rPr lang="ru-RU" smtClean="0"/>
-              <a:t>19.12.2024</a:t>
+              <a:t>21.12.2024</a:t>
             </a:fld>
             <a:endParaRPr lang="ru-RU"/>
           </a:p>
@@ -3763,7 +3765,7 @@
           <a:p>
             <a:fld id="{D5E2AA23-66BC-4D18-B172-603E1DD06669}" type="datetimeFigureOut">
               <a:rPr lang="ru-RU" smtClean="0"/>
-              <a:t>19.12.2024</a:t>
+              <a:t>21.12.2024</a:t>
             </a:fld>
             <a:endParaRPr lang="ru-RU"/>
           </a:p>
@@ -4067,7 +4069,7 @@
           <a:p>
             <a:fld id="{D5E2AA23-66BC-4D18-B172-603E1DD06669}" type="datetimeFigureOut">
               <a:rPr lang="ru-RU" smtClean="0"/>
-              <a:t>19.12.2024</a:t>
+              <a:t>21.12.2024</a:t>
             </a:fld>
             <a:endParaRPr lang="ru-RU"/>
           </a:p>
@@ -4523,7 +4525,7 @@
           <a:p>
             <a:fld id="{D5E2AA23-66BC-4D18-B172-603E1DD06669}" type="datetimeFigureOut">
               <a:rPr lang="ru-RU" smtClean="0"/>
-              <a:t>19.12.2024</a:t>
+              <a:t>21.12.2024</a:t>
             </a:fld>
             <a:endParaRPr lang="ru-RU"/>
           </a:p>
@@ -4653,7 +4655,7 @@
           <a:p>
             <a:fld id="{D5E2AA23-66BC-4D18-B172-603E1DD06669}" type="datetimeFigureOut">
               <a:rPr lang="ru-RU" smtClean="0"/>
-              <a:t>19.12.2024</a:t>
+              <a:t>21.12.2024</a:t>
             </a:fld>
             <a:endParaRPr lang="ru-RU"/>
           </a:p>
@@ -4760,7 +4762,7 @@
           <a:p>
             <a:fld id="{D5E2AA23-66BC-4D18-B172-603E1DD06669}" type="datetimeFigureOut">
               <a:rPr lang="ru-RU" smtClean="0"/>
-              <a:t>19.12.2024</a:t>
+              <a:t>21.12.2024</a:t>
             </a:fld>
             <a:endParaRPr lang="ru-RU"/>
           </a:p>
@@ -5051,7 +5053,7 @@
           <a:p>
             <a:fld id="{D5E2AA23-66BC-4D18-B172-603E1DD06669}" type="datetimeFigureOut">
               <a:rPr lang="ru-RU" smtClean="0"/>
-              <a:t>19.12.2024</a:t>
+              <a:t>21.12.2024</a:t>
             </a:fld>
             <a:endParaRPr lang="ru-RU"/>
           </a:p>
@@ -5338,7 +5340,7 @@
           <a:p>
             <a:fld id="{D5E2AA23-66BC-4D18-B172-603E1DD06669}" type="datetimeFigureOut">
               <a:rPr lang="ru-RU" smtClean="0"/>
-              <a:t>19.12.2024</a:t>
+              <a:t>21.12.2024</a:t>
             </a:fld>
             <a:endParaRPr lang="ru-RU"/>
           </a:p>
@@ -5779,7 +5781,7 @@
           <a:p>
             <a:fld id="{D5E2AA23-66BC-4D18-B172-603E1DD06669}" type="datetimeFigureOut">
               <a:rPr lang="ru-RU" smtClean="0"/>
-              <a:t>19.12.2024</a:t>
+              <a:t>21.12.2024</a:t>
             </a:fld>
             <a:endParaRPr lang="ru-RU"/>
           </a:p>
@@ -7577,6 +7579,358 @@
           <p:cNvPr id="2" name="Заголовок 1">
             <a:extLst>
               <a:ext uri="{FF2B5EF4-FFF2-40B4-BE49-F238E27FC236}">
+                <a16:creationId xmlns:a16="http://schemas.microsoft.com/office/drawing/2014/main" id="{562C178F-897F-72DD-D2CE-5CE78BCCBBBD}"/>
+              </a:ext>
+            </a:extLst>
+          </p:cNvPr>
+          <p:cNvSpPr>
+            <a:spLocks noGrp="1"/>
+          </p:cNvSpPr>
+          <p:nvPr>
+            <p:ph type="title"/>
+          </p:nvPr>
+        </p:nvSpPr>
+        <p:spPr/>
+        <p:txBody>
+          <a:bodyPr/>
+          <a:lstStyle/>
+          <a:p>
+            <a:pPr algn="ctr"/>
+            <a:r>
+              <a:rPr lang="ru-RU" dirty="0">
+                <a:latin typeface="Times New Roman" panose="02020603050405020304" pitchFamily="18" charset="0"/>
+                <a:cs typeface="Times New Roman" panose="02020603050405020304" pitchFamily="18" charset="0"/>
+              </a:rPr>
+              <a:t>Диаграмма вариантов использования</a:t>
+            </a:r>
+          </a:p>
+        </p:txBody>
+      </p:sp>
+      <p:sp>
+        <p:nvSpPr>
+          <p:cNvPr id="3" name="Объект 2">
+            <a:extLst>
+              <a:ext uri="{FF2B5EF4-FFF2-40B4-BE49-F238E27FC236}">
+                <a16:creationId xmlns:a16="http://schemas.microsoft.com/office/drawing/2014/main" id="{6DC758F2-E6BA-E1F5-FE07-2A0CB69D66EA}"/>
+              </a:ext>
+            </a:extLst>
+          </p:cNvPr>
+          <p:cNvSpPr>
+            <a:spLocks noGrp="1"/>
+          </p:cNvSpPr>
+          <p:nvPr>
+            <p:ph idx="1"/>
+          </p:nvPr>
+        </p:nvSpPr>
+        <p:spPr/>
+        <p:txBody>
+          <a:bodyPr/>
+          <a:lstStyle/>
+          <a:p>
+            <a:endParaRPr lang="ru-RU" dirty="0"/>
+          </a:p>
+        </p:txBody>
+      </p:sp>
+      <p:pic>
+        <p:nvPicPr>
+          <p:cNvPr id="4" name="Изображение3">
+            <a:extLst>
+              <a:ext uri="{FF2B5EF4-FFF2-40B4-BE49-F238E27FC236}">
+                <a16:creationId xmlns:a16="http://schemas.microsoft.com/office/drawing/2014/main" id="{D4CCEEE3-29C3-6CB8-62F3-172222F862DB}"/>
+              </a:ext>
+            </a:extLst>
+          </p:cNvPr>
+          <p:cNvPicPr>
+            <a:picLocks noChangeAspect="1"/>
+          </p:cNvPicPr>
+          <p:nvPr/>
+        </p:nvPicPr>
+        <p:blipFill>
+          <a:blip r:embed="rId2"/>
+          <a:stretch>
+            <a:fillRect/>
+          </a:stretch>
+        </p:blipFill>
+        <p:spPr bwMode="auto">
+          <a:xfrm>
+            <a:off x="0" y="1243584"/>
+            <a:ext cx="12192000" cy="5614416"/>
+          </a:xfrm>
+          <a:prstGeom prst="rect">
+            <a:avLst/>
+          </a:prstGeom>
+        </p:spPr>
+      </p:pic>
+    </p:spTree>
+    <p:extLst>
+      <p:ext uri="{BB962C8B-B14F-4D97-AF65-F5344CB8AC3E}">
+        <p14:creationId xmlns:p14="http://schemas.microsoft.com/office/powerpoint/2010/main" val="2591255320"/>
+      </p:ext>
+    </p:extLst>
+  </p:cSld>
+  <p:clrMapOvr>
+    <a:masterClrMapping/>
+  </p:clrMapOvr>
+  <mc:AlternateContent xmlns:mc="http://schemas.openxmlformats.org/markup-compatibility/2006" xmlns:p14="http://schemas.microsoft.com/office/powerpoint/2010/main">
+    <mc:Choice Requires="p14">
+      <p:transition spd="med" p14:dur="700">
+        <p:fade/>
+      </p:transition>
+    </mc:Choice>
+    <mc:Fallback xmlns="">
+      <p:transition spd="med">
+        <p:fade/>
+      </p:transition>
+    </mc:Fallback>
+  </mc:AlternateContent>
+</p:sld>
+</file>
+
+<file path=ppt/slides/slide14.xml><?xml version="1.0" encoding="utf-8"?>
+<p:sld xmlns:a="http://schemas.openxmlformats.org/drawingml/2006/main" xmlns:r="http://schemas.openxmlformats.org/officeDocument/2006/relationships" xmlns:p="http://schemas.openxmlformats.org/presentationml/2006/main">
+  <p:cSld>
+    <p:spTree>
+      <p:nvGrpSpPr>
+        <p:cNvPr id="1" name=""/>
+        <p:cNvGrpSpPr/>
+        <p:nvPr/>
+      </p:nvGrpSpPr>
+      <p:grpSpPr>
+        <a:xfrm>
+          <a:off x="0" y="0"/>
+          <a:ext cx="0" cy="0"/>
+          <a:chOff x="0" y="0"/>
+          <a:chExt cx="0" cy="0"/>
+        </a:xfrm>
+      </p:grpSpPr>
+      <p:sp>
+        <p:nvSpPr>
+          <p:cNvPr id="2" name="Заголовок 1">
+            <a:extLst>
+              <a:ext uri="{FF2B5EF4-FFF2-40B4-BE49-F238E27FC236}">
+                <a16:creationId xmlns:a16="http://schemas.microsoft.com/office/drawing/2014/main" id="{A3D898F4-A952-823E-4DA5-08E59AF2D269}"/>
+              </a:ext>
+            </a:extLst>
+          </p:cNvPr>
+          <p:cNvSpPr>
+            <a:spLocks noGrp="1"/>
+          </p:cNvSpPr>
+          <p:nvPr>
+            <p:ph type="title"/>
+          </p:nvPr>
+        </p:nvSpPr>
+        <p:spPr/>
+        <p:txBody>
+          <a:bodyPr/>
+          <a:lstStyle/>
+          <a:p>
+            <a:pPr algn="ctr"/>
+            <a:r>
+              <a:rPr lang="ru-RU" dirty="0">
+                <a:latin typeface="Times New Roman" panose="02020603050405020304" pitchFamily="18" charset="0"/>
+                <a:cs typeface="Times New Roman" panose="02020603050405020304" pitchFamily="18" charset="0"/>
+              </a:rPr>
+              <a:t>Форматы данных</a:t>
+            </a:r>
+          </a:p>
+        </p:txBody>
+      </p:sp>
+      <p:sp>
+        <p:nvSpPr>
+          <p:cNvPr id="3" name="Объект 2">
+            <a:extLst>
+              <a:ext uri="{FF2B5EF4-FFF2-40B4-BE49-F238E27FC236}">
+                <a16:creationId xmlns:a16="http://schemas.microsoft.com/office/drawing/2014/main" id="{50C13E97-45D5-206B-474C-543005F6866E}"/>
+              </a:ext>
+            </a:extLst>
+          </p:cNvPr>
+          <p:cNvSpPr>
+            <a:spLocks noGrp="1"/>
+          </p:cNvSpPr>
+          <p:nvPr>
+            <p:ph idx="1"/>
+          </p:nvPr>
+        </p:nvSpPr>
+        <p:spPr/>
+        <p:txBody>
+          <a:bodyPr/>
+          <a:lstStyle/>
+          <a:p>
+            <a:pPr indent="0">
+              <a:lnSpc>
+                <a:spcPct val="150000"/>
+              </a:lnSpc>
+              <a:buNone/>
+            </a:pPr>
+            <a:r>
+              <a:rPr lang="ru-RU" kern="100" dirty="0">
+                <a:effectLst/>
+                <a:latin typeface="Times New Roman" panose="02020603050405020304" pitchFamily="18" charset="0"/>
+                <a:ea typeface="NSimSun" panose="02010609030101010101" pitchFamily="49" charset="-122"/>
+                <a:cs typeface="Times New Roman" panose="02020603050405020304" pitchFamily="18" charset="0"/>
+              </a:rPr>
+              <a:t>Входные данные:</a:t>
+            </a:r>
+          </a:p>
+          <a:p>
+            <a:pPr lvl="1" indent="-342900">
+              <a:lnSpc>
+                <a:spcPct val="150000"/>
+              </a:lnSpc>
+              <a:buFont typeface="Symbol" panose="05050102010706020507" pitchFamily="18" charset="2"/>
+              <a:buChar char=""/>
+              <a:tabLst>
+                <a:tab pos="221615" algn="l"/>
+              </a:tabLst>
+            </a:pPr>
+            <a:r>
+              <a:rPr lang="ru-RU" sz="2000" kern="100" dirty="0">
+                <a:effectLst/>
+                <a:latin typeface="Times New Roman" panose="02020603050405020304" pitchFamily="18" charset="0"/>
+                <a:ea typeface="NSimSun" panose="02010609030101010101" pitchFamily="49" charset="-122"/>
+                <a:cs typeface="Times New Roman" panose="02020603050405020304" pitchFamily="18" charset="0"/>
+              </a:rPr>
+              <a:t>текстовые данные или файлы;</a:t>
+            </a:r>
+          </a:p>
+          <a:p>
+            <a:pPr lvl="1" indent="-342900">
+              <a:lnSpc>
+                <a:spcPct val="150000"/>
+              </a:lnSpc>
+              <a:buFont typeface="Symbol" panose="05050102010706020507" pitchFamily="18" charset="2"/>
+              <a:buChar char=""/>
+              <a:tabLst>
+                <a:tab pos="221615" algn="l"/>
+              </a:tabLst>
+            </a:pPr>
+            <a:r>
+              <a:rPr lang="ru-RU" sz="2000" kern="100" dirty="0">
+                <a:effectLst/>
+                <a:latin typeface="Times New Roman" panose="02020603050405020304" pitchFamily="18" charset="0"/>
+                <a:ea typeface="NSimSun" panose="02010609030101010101" pitchFamily="49" charset="-122"/>
+                <a:cs typeface="Times New Roman" panose="02020603050405020304" pitchFamily="18" charset="0"/>
+              </a:rPr>
+              <a:t>выбор пунктов меню.</a:t>
+            </a:r>
+          </a:p>
+          <a:p>
+            <a:pPr marL="0" lvl="0" indent="0">
+              <a:lnSpc>
+                <a:spcPct val="150000"/>
+              </a:lnSpc>
+              <a:buNone/>
+              <a:tabLst>
+                <a:tab pos="221615" algn="l"/>
+              </a:tabLst>
+            </a:pPr>
+            <a:r>
+              <a:rPr lang="ru-RU" kern="100" dirty="0">
+                <a:effectLst/>
+                <a:latin typeface="Times New Roman" panose="02020603050405020304" pitchFamily="18" charset="0"/>
+                <a:ea typeface="NSimSun" panose="02010609030101010101" pitchFamily="49" charset="-122"/>
+                <a:cs typeface="Times New Roman" panose="02020603050405020304" pitchFamily="18" charset="0"/>
+              </a:rPr>
+              <a:t>	  Выходные данные:</a:t>
+            </a:r>
+          </a:p>
+          <a:p>
+            <a:pPr lvl="1" indent="-342900">
+              <a:lnSpc>
+                <a:spcPct val="150000"/>
+              </a:lnSpc>
+              <a:buFont typeface="Symbol" panose="05050102010706020507" pitchFamily="18" charset="2"/>
+              <a:buChar char=""/>
+              <a:tabLst>
+                <a:tab pos="221615" algn="l"/>
+              </a:tabLst>
+            </a:pPr>
+            <a:r>
+              <a:rPr lang="ru-RU" sz="2000" kern="100" dirty="0">
+                <a:effectLst/>
+                <a:latin typeface="Times New Roman" panose="02020603050405020304" pitchFamily="18" charset="0"/>
+                <a:ea typeface="NSimSun" panose="02010609030101010101" pitchFamily="49" charset="-122"/>
+                <a:cs typeface="Times New Roman" panose="02020603050405020304" pitchFamily="18" charset="0"/>
+              </a:rPr>
+              <a:t>сгенерированные документы в различных форматах;</a:t>
+            </a:r>
+          </a:p>
+          <a:p>
+            <a:pPr lvl="1" indent="-342900">
+              <a:lnSpc>
+                <a:spcPct val="150000"/>
+              </a:lnSpc>
+              <a:buFont typeface="Symbol" panose="05050102010706020507" pitchFamily="18" charset="2"/>
+              <a:buChar char=""/>
+              <a:tabLst>
+                <a:tab pos="221615" algn="l"/>
+              </a:tabLst>
+            </a:pPr>
+            <a:r>
+              <a:rPr lang="ru-RU" sz="2000" kern="100" dirty="0">
+                <a:effectLst/>
+                <a:latin typeface="Times New Roman" panose="02020603050405020304" pitchFamily="18" charset="0"/>
+                <a:ea typeface="NSimSun" panose="02010609030101010101" pitchFamily="49" charset="-122"/>
+                <a:cs typeface="Times New Roman" panose="02020603050405020304" pitchFamily="18" charset="0"/>
+              </a:rPr>
+              <a:t>текстовые данные или файлы, полученные от пользователей.</a:t>
+            </a:r>
+          </a:p>
+          <a:p>
+            <a:endParaRPr lang="ru-RU" dirty="0">
+              <a:latin typeface="Times New Roman" panose="02020603050405020304" pitchFamily="18" charset="0"/>
+              <a:cs typeface="Times New Roman" panose="02020603050405020304" pitchFamily="18" charset="0"/>
+            </a:endParaRPr>
+          </a:p>
+        </p:txBody>
+      </p:sp>
+    </p:spTree>
+    <p:extLst>
+      <p:ext uri="{BB962C8B-B14F-4D97-AF65-F5344CB8AC3E}">
+        <p14:creationId xmlns:p14="http://schemas.microsoft.com/office/powerpoint/2010/main" val="2681116902"/>
+      </p:ext>
+    </p:extLst>
+  </p:cSld>
+  <p:clrMapOvr>
+    <a:masterClrMapping/>
+  </p:clrMapOvr>
+  <mc:AlternateContent xmlns:mc="http://schemas.openxmlformats.org/markup-compatibility/2006" xmlns:p14="http://schemas.microsoft.com/office/powerpoint/2010/main">
+    <mc:Choice Requires="p14">
+      <p:transition spd="med" p14:dur="700">
+        <p:fade/>
+      </p:transition>
+    </mc:Choice>
+    <mc:Fallback xmlns="">
+      <p:transition spd="med">
+        <p:fade/>
+      </p:transition>
+    </mc:Fallback>
+  </mc:AlternateContent>
+</p:sld>
+</file>
+
+<file path=ppt/slides/slide15.xml><?xml version="1.0" encoding="utf-8"?>
+<p:sld xmlns:a="http://schemas.openxmlformats.org/drawingml/2006/main" xmlns:r="http://schemas.openxmlformats.org/officeDocument/2006/relationships" xmlns:p="http://schemas.openxmlformats.org/presentationml/2006/main">
+  <p:cSld>
+    <p:spTree>
+      <p:nvGrpSpPr>
+        <p:cNvPr id="1" name=""/>
+        <p:cNvGrpSpPr/>
+        <p:nvPr/>
+      </p:nvGrpSpPr>
+      <p:grpSpPr>
+        <a:xfrm>
+          <a:off x="0" y="0"/>
+          <a:ext cx="0" cy="0"/>
+          <a:chOff x="0" y="0"/>
+          <a:chExt cx="0" cy="0"/>
+        </a:xfrm>
+      </p:grpSpPr>
+      <p:sp>
+        <p:nvSpPr>
+          <p:cNvPr id="2" name="Заголовок 1">
+            <a:extLst>
+              <a:ext uri="{FF2B5EF4-FFF2-40B4-BE49-F238E27FC236}">
                 <a16:creationId xmlns:a16="http://schemas.microsoft.com/office/drawing/2014/main" id="{D2E7D94F-D533-2196-84C1-24D4245AF6F2}"/>
               </a:ext>
             </a:extLst>
@@ -7881,7 +8235,7 @@
         <p:spPr>
           <a:xfrm>
             <a:off x="1104293" y="1331259"/>
-            <a:ext cx="8946541" cy="4195481"/>
+            <a:ext cx="8946541" cy="5170125"/>
           </a:xfrm>
         </p:spPr>
         <p:txBody>
@@ -7916,7 +8270,7 @@
             </a:r>
           </a:p>
           <a:p>
-            <a:pPr marL="342900" lvl="0" indent="-342900" algn="just">
+            <a:pPr lvl="1" indent="-342900" algn="just">
               <a:lnSpc>
                 <a:spcPct val="150000"/>
               </a:lnSpc>
@@ -7927,7 +8281,7 @@
               </a:tabLst>
             </a:pPr>
             <a:r>
-              <a:rPr lang="ru-RU" kern="100" dirty="0">
+              <a:rPr lang="ru-RU" sz="2000" kern="100" dirty="0">
                 <a:effectLst/>
                 <a:latin typeface="Times New Roman" panose="02020603050405020304" pitchFamily="18" charset="0"/>
                 <a:ea typeface="NSimSun" panose="02010609030101010101" pitchFamily="49" charset="-122"/>
@@ -7937,7 +8291,7 @@
             </a:r>
           </a:p>
           <a:p>
-            <a:pPr marL="342900" lvl="0" indent="-342900" algn="just">
+            <a:pPr lvl="1" indent="-342900" algn="just">
               <a:lnSpc>
                 <a:spcPct val="150000"/>
               </a:lnSpc>
@@ -7948,7 +8302,7 @@
               </a:tabLst>
             </a:pPr>
             <a:r>
-              <a:rPr lang="ru-RU" kern="100" dirty="0">
+              <a:rPr lang="ru-RU" sz="2000" kern="100" dirty="0">
                 <a:effectLst/>
                 <a:latin typeface="Times New Roman" panose="02020603050405020304" pitchFamily="18" charset="0"/>
                 <a:ea typeface="NSimSun" panose="02010609030101010101" pitchFamily="49" charset="-122"/>
@@ -7958,7 +8312,7 @@
             </a:r>
           </a:p>
           <a:p>
-            <a:pPr marL="342900" lvl="0" indent="-342900" algn="just">
+            <a:pPr lvl="1" indent="-342900" algn="just">
               <a:lnSpc>
                 <a:spcPct val="150000"/>
               </a:lnSpc>
@@ -7969,7 +8323,7 @@
               </a:tabLst>
             </a:pPr>
             <a:r>
-              <a:rPr lang="ru-RU" kern="100" dirty="0">
+              <a:rPr lang="ru-RU" sz="2000" kern="100" dirty="0">
                 <a:effectLst/>
                 <a:latin typeface="Times New Roman" panose="02020603050405020304" pitchFamily="18" charset="0"/>
                 <a:ea typeface="NSimSun" panose="02010609030101010101" pitchFamily="49" charset="-122"/>
@@ -7979,7 +8333,7 @@
             </a:r>
           </a:p>
           <a:p>
-            <a:pPr marL="342900" lvl="0" indent="-342900" algn="just">
+            <a:pPr lvl="1" indent="-342900" algn="just">
               <a:lnSpc>
                 <a:spcPct val="150000"/>
               </a:lnSpc>
@@ -7990,7 +8344,7 @@
               </a:tabLst>
             </a:pPr>
             <a:r>
-              <a:rPr lang="ru-RU" kern="100" dirty="0">
+              <a:rPr lang="ru-RU" sz="2000" kern="100" dirty="0">
                 <a:effectLst/>
                 <a:latin typeface="Times New Roman" panose="02020603050405020304" pitchFamily="18" charset="0"/>
                 <a:ea typeface="NSimSun" panose="02010609030101010101" pitchFamily="49" charset="-122"/>
@@ -8116,15 +8470,6 @@
               <a:buNone/>
             </a:pPr>
             <a:r>
-              <a:rPr lang="en-US" kern="100" dirty="0">
-                <a:effectLst/>
-                <a:latin typeface="Times New Roman" panose="02020603050405020304" pitchFamily="18" charset="0"/>
-                <a:ea typeface="NSimSun" panose="02010609030101010101" pitchFamily="49" charset="-122"/>
-                <a:cs typeface="Times New Roman" panose="02020603050405020304" pitchFamily="18" charset="0"/>
-              </a:rPr>
-              <a:t>		</a:t>
-            </a:r>
-            <a:r>
               <a:rPr lang="ru-RU" kern="100" dirty="0">
                 <a:effectLst/>
                 <a:latin typeface="Times New Roman" panose="02020603050405020304" pitchFamily="18" charset="0"/>
@@ -8166,7 +8511,7 @@
             </a:endParaRPr>
           </a:p>
           <a:p>
-            <a:pPr marL="342900" lvl="0" indent="-342900" algn="just">
+            <a:pPr lvl="1" indent="-342900" algn="just">
               <a:lnSpc>
                 <a:spcPct val="150000"/>
               </a:lnSpc>
@@ -8177,7 +8522,7 @@
               </a:tabLst>
             </a:pPr>
             <a:r>
-              <a:rPr lang="ru-RU" kern="100" dirty="0">
+              <a:rPr lang="ru-RU" sz="2000" kern="100" dirty="0">
                 <a:effectLst/>
                 <a:latin typeface="Times New Roman" panose="02020603050405020304" pitchFamily="18" charset="0"/>
                 <a:ea typeface="NSimSun" panose="02010609030101010101" pitchFamily="49" charset="-122"/>
@@ -8187,7 +8532,7 @@
             </a:r>
           </a:p>
           <a:p>
-            <a:pPr marL="342900" lvl="0" indent="-342900" algn="just">
+            <a:pPr lvl="1" indent="-342900" algn="just">
               <a:lnSpc>
                 <a:spcPct val="150000"/>
               </a:lnSpc>
@@ -8198,13 +8543,22 @@
               </a:tabLst>
             </a:pPr>
             <a:r>
+              <a:rPr lang="ru-RU" sz="2000" kern="100" dirty="0">
+                <a:effectLst/>
+                <a:latin typeface="Times New Roman" panose="02020603050405020304" pitchFamily="18" charset="0"/>
+                <a:ea typeface="NSimSun" panose="02010609030101010101" pitchFamily="49" charset="-122"/>
+                <a:cs typeface="Times New Roman" panose="02020603050405020304" pitchFamily="18" charset="0"/>
+              </a:rPr>
+              <a:t>403 конкурсная команда</a:t>
+            </a:r>
+            <a:r>
               <a:rPr lang="ru-RU" kern="100" dirty="0">
                 <a:effectLst/>
                 <a:latin typeface="Times New Roman" panose="02020603050405020304" pitchFamily="18" charset="0"/>
                 <a:ea typeface="NSimSun" panose="02010609030101010101" pitchFamily="49" charset="-122"/>
                 <a:cs typeface="Times New Roman" panose="02020603050405020304" pitchFamily="18" charset="0"/>
               </a:rPr>
-              <a:t>403 конкурсная команда.</a:t>
+              <a:t>.</a:t>
             </a:r>
           </a:p>
           <a:p>
@@ -8219,12 +8573,11 @@
             </a:pPr>
             <a:r>
               <a:rPr lang="ru-RU" sz="1800" kern="100" dirty="0">
-                <a:effectLst/>
                 <a:latin typeface="Liberation Serif" panose="02020603050405020304" pitchFamily="18" charset="0"/>
                 <a:ea typeface="NSimSun" panose="02010609030101010101" pitchFamily="49" charset="-122"/>
-                <a:cs typeface="Lucida Sans" panose="020B0602030504020204" pitchFamily="34" charset="0"/>
+                <a:cs typeface="Times New Roman" panose="02020603050405020304" pitchFamily="18" charset="0"/>
               </a:rPr>
-              <a:t>			К каждой группе необходимо прикрепить преподавателя, авторскую программу, составить расписание и связать это с приказами об образовательной деятельности и мероприятиях. Это необходимо для регламентирования деятельности организации. </a:t>
+              <a:t>		</a:t>
             </a:r>
             <a:r>
               <a:rPr lang="ru-RU" sz="1800" kern="100" dirty="0">
@@ -8294,6 +8647,130 @@
 </file>
 
 <file path=ppt/slides/slide5.xml><?xml version="1.0" encoding="utf-8"?>
+<p:sld xmlns:a="http://schemas.openxmlformats.org/drawingml/2006/main" xmlns:r="http://schemas.openxmlformats.org/officeDocument/2006/relationships" xmlns:p="http://schemas.openxmlformats.org/presentationml/2006/main">
+  <p:cSld>
+    <p:spTree>
+      <p:nvGrpSpPr>
+        <p:cNvPr id="1" name=""/>
+        <p:cNvGrpSpPr/>
+        <p:nvPr/>
+      </p:nvGrpSpPr>
+      <p:grpSpPr>
+        <a:xfrm>
+          <a:off x="0" y="0"/>
+          <a:ext cx="0" cy="0"/>
+          <a:chOff x="0" y="0"/>
+          <a:chExt cx="0" cy="0"/>
+        </a:xfrm>
+      </p:grpSpPr>
+      <p:sp>
+        <p:nvSpPr>
+          <p:cNvPr id="2" name="Заголовок 1">
+            <a:extLst>
+              <a:ext uri="{FF2B5EF4-FFF2-40B4-BE49-F238E27FC236}">
+                <a16:creationId xmlns:a16="http://schemas.microsoft.com/office/drawing/2014/main" id="{F2A9C6B9-10E2-EC8F-64AE-13D83E9DC7CD}"/>
+              </a:ext>
+            </a:extLst>
+          </p:cNvPr>
+          <p:cNvSpPr>
+            <a:spLocks noGrp="1"/>
+          </p:cNvSpPr>
+          <p:nvPr>
+            <p:ph type="title"/>
+          </p:nvPr>
+        </p:nvSpPr>
+        <p:spPr/>
+        <p:txBody>
+          <a:bodyPr/>
+          <a:lstStyle/>
+          <a:p>
+            <a:pPr algn="ctr"/>
+            <a:r>
+              <a:rPr lang="ru-RU" sz="4200" dirty="0">
+                <a:latin typeface="Times New Roman" panose="02020603050405020304" pitchFamily="18" charset="0"/>
+                <a:cs typeface="Times New Roman" panose="02020603050405020304" pitchFamily="18" charset="0"/>
+              </a:rPr>
+              <a:t>Предметная область</a:t>
+            </a:r>
+            <a:endParaRPr lang="ru-RU" dirty="0"/>
+          </a:p>
+        </p:txBody>
+      </p:sp>
+      <p:sp>
+        <p:nvSpPr>
+          <p:cNvPr id="3" name="Объект 2">
+            <a:extLst>
+              <a:ext uri="{FF2B5EF4-FFF2-40B4-BE49-F238E27FC236}">
+                <a16:creationId xmlns:a16="http://schemas.microsoft.com/office/drawing/2014/main" id="{4F261927-BA40-A3A0-9299-30CBCF100764}"/>
+              </a:ext>
+            </a:extLst>
+          </p:cNvPr>
+          <p:cNvSpPr>
+            <a:spLocks noGrp="1"/>
+          </p:cNvSpPr>
+          <p:nvPr>
+            <p:ph idx="1"/>
+          </p:nvPr>
+        </p:nvSpPr>
+        <p:spPr>
+          <a:xfrm>
+            <a:off x="1104293" y="1331259"/>
+            <a:ext cx="8946541" cy="4195481"/>
+          </a:xfrm>
+        </p:spPr>
+        <p:txBody>
+          <a:bodyPr/>
+          <a:lstStyle/>
+          <a:p>
+            <a:pPr marL="0" indent="0" algn="just">
+              <a:lnSpc>
+                <a:spcPct val="150000"/>
+              </a:lnSpc>
+              <a:buNone/>
+            </a:pPr>
+            <a:r>
+              <a:rPr lang="en-US" dirty="0">
+                <a:latin typeface="Times New Roman" panose="02020603050405020304" pitchFamily="18" charset="0"/>
+                <a:cs typeface="Times New Roman" panose="02020603050405020304" pitchFamily="18" charset="0"/>
+              </a:rPr>
+              <a:t>		</a:t>
+            </a:r>
+            <a:r>
+              <a:rPr lang="ru-RU" dirty="0">
+                <a:latin typeface="Times New Roman" panose="02020603050405020304" pitchFamily="18" charset="0"/>
+                <a:cs typeface="Times New Roman" panose="02020603050405020304" pitchFamily="18" charset="0"/>
+              </a:rPr>
+              <a:t>Документооборот играет важную роль в современных организациях. Он позволяет обеспечить прозрачность бизнес-процессов, сохраняя следы действий и решений, разграничивать доступ к конфиденциальным данным. А также способствует соблюдению законодательных требований, повышает эффективность бизнес-процессов, упрощает аудит и анализ.</a:t>
+            </a:r>
+          </a:p>
+        </p:txBody>
+      </p:sp>
+    </p:spTree>
+    <p:extLst>
+      <p:ext uri="{BB962C8B-B14F-4D97-AF65-F5344CB8AC3E}">
+        <p14:creationId xmlns:p14="http://schemas.microsoft.com/office/powerpoint/2010/main" val="985008984"/>
+      </p:ext>
+    </p:extLst>
+  </p:cSld>
+  <p:clrMapOvr>
+    <a:masterClrMapping/>
+  </p:clrMapOvr>
+  <mc:AlternateContent xmlns:mc="http://schemas.openxmlformats.org/markup-compatibility/2006" xmlns:p14="http://schemas.microsoft.com/office/powerpoint/2010/main">
+    <mc:Choice Requires="p14">
+      <p:transition spd="med" p14:dur="700">
+        <p:fade/>
+      </p:transition>
+    </mc:Choice>
+    <mc:Fallback xmlns="">
+      <p:transition spd="med">
+        <p:fade/>
+      </p:transition>
+    </mc:Fallback>
+  </mc:AlternateContent>
+</p:sld>
+</file>
+
+<file path=ppt/slides/slide6.xml><?xml version="1.0" encoding="utf-8"?>
 <p:sld xmlns:a="http://schemas.openxmlformats.org/drawingml/2006/main" xmlns:r="http://schemas.openxmlformats.org/officeDocument/2006/relationships" xmlns:p="http://schemas.openxmlformats.org/presentationml/2006/main">
   <p:cSld>
     <p:spTree>
@@ -8424,130 +8901,6 @@
 </p:sld>
 </file>
 
-<file path=ppt/slides/slide6.xml><?xml version="1.0" encoding="utf-8"?>
-<p:sld xmlns:a="http://schemas.openxmlformats.org/drawingml/2006/main" xmlns:r="http://schemas.openxmlformats.org/officeDocument/2006/relationships" xmlns:p="http://schemas.openxmlformats.org/presentationml/2006/main">
-  <p:cSld>
-    <p:spTree>
-      <p:nvGrpSpPr>
-        <p:cNvPr id="1" name=""/>
-        <p:cNvGrpSpPr/>
-        <p:nvPr/>
-      </p:nvGrpSpPr>
-      <p:grpSpPr>
-        <a:xfrm>
-          <a:off x="0" y="0"/>
-          <a:ext cx="0" cy="0"/>
-          <a:chOff x="0" y="0"/>
-          <a:chExt cx="0" cy="0"/>
-        </a:xfrm>
-      </p:grpSpPr>
-      <p:sp>
-        <p:nvSpPr>
-          <p:cNvPr id="2" name="Заголовок 1">
-            <a:extLst>
-              <a:ext uri="{FF2B5EF4-FFF2-40B4-BE49-F238E27FC236}">
-                <a16:creationId xmlns:a16="http://schemas.microsoft.com/office/drawing/2014/main" id="{F2A9C6B9-10E2-EC8F-64AE-13D83E9DC7CD}"/>
-              </a:ext>
-            </a:extLst>
-          </p:cNvPr>
-          <p:cNvSpPr>
-            <a:spLocks noGrp="1"/>
-          </p:cNvSpPr>
-          <p:nvPr>
-            <p:ph type="title"/>
-          </p:nvPr>
-        </p:nvSpPr>
-        <p:spPr/>
-        <p:txBody>
-          <a:bodyPr/>
-          <a:lstStyle/>
-          <a:p>
-            <a:pPr algn="ctr"/>
-            <a:r>
-              <a:rPr lang="ru-RU" sz="4200" dirty="0">
-                <a:latin typeface="Times New Roman" panose="02020603050405020304" pitchFamily="18" charset="0"/>
-                <a:cs typeface="Times New Roman" panose="02020603050405020304" pitchFamily="18" charset="0"/>
-              </a:rPr>
-              <a:t>Предметная область</a:t>
-            </a:r>
-            <a:endParaRPr lang="ru-RU" dirty="0"/>
-          </a:p>
-        </p:txBody>
-      </p:sp>
-      <p:sp>
-        <p:nvSpPr>
-          <p:cNvPr id="3" name="Объект 2">
-            <a:extLst>
-              <a:ext uri="{FF2B5EF4-FFF2-40B4-BE49-F238E27FC236}">
-                <a16:creationId xmlns:a16="http://schemas.microsoft.com/office/drawing/2014/main" id="{4F261927-BA40-A3A0-9299-30CBCF100764}"/>
-              </a:ext>
-            </a:extLst>
-          </p:cNvPr>
-          <p:cNvSpPr>
-            <a:spLocks noGrp="1"/>
-          </p:cNvSpPr>
-          <p:nvPr>
-            <p:ph idx="1"/>
-          </p:nvPr>
-        </p:nvSpPr>
-        <p:spPr>
-          <a:xfrm>
-            <a:off x="1104293" y="1331259"/>
-            <a:ext cx="8946541" cy="4195481"/>
-          </a:xfrm>
-        </p:spPr>
-        <p:txBody>
-          <a:bodyPr/>
-          <a:lstStyle/>
-          <a:p>
-            <a:pPr marL="0" indent="0" algn="just">
-              <a:lnSpc>
-                <a:spcPct val="150000"/>
-              </a:lnSpc>
-              <a:buNone/>
-            </a:pPr>
-            <a:r>
-              <a:rPr lang="en-US" dirty="0">
-                <a:latin typeface="Times New Roman" panose="02020603050405020304" pitchFamily="18" charset="0"/>
-                <a:cs typeface="Times New Roman" panose="02020603050405020304" pitchFamily="18" charset="0"/>
-              </a:rPr>
-              <a:t>		</a:t>
-            </a:r>
-            <a:r>
-              <a:rPr lang="ru-RU" dirty="0">
-                <a:latin typeface="Times New Roman" panose="02020603050405020304" pitchFamily="18" charset="0"/>
-                <a:cs typeface="Times New Roman" panose="02020603050405020304" pitchFamily="18" charset="0"/>
-              </a:rPr>
-              <a:t>Документооборот играет важную роль в современных организациях. Он позволяет обеспечить прозрачность бизнес-процессов, сохраняя следы действий и решений, разграничивать доступ к конфиденциальным данным. А также способствует соблюдению законодательных требований, повышает эффективность бизнес-процессов, упрощает аудит и анализ.</a:t>
-            </a:r>
-          </a:p>
-        </p:txBody>
-      </p:sp>
-    </p:spTree>
-    <p:extLst>
-      <p:ext uri="{BB962C8B-B14F-4D97-AF65-F5344CB8AC3E}">
-        <p14:creationId xmlns:p14="http://schemas.microsoft.com/office/powerpoint/2010/main" val="985008984"/>
-      </p:ext>
-    </p:extLst>
-  </p:cSld>
-  <p:clrMapOvr>
-    <a:masterClrMapping/>
-  </p:clrMapOvr>
-  <mc:AlternateContent xmlns:mc="http://schemas.openxmlformats.org/markup-compatibility/2006" xmlns:p14="http://schemas.microsoft.com/office/powerpoint/2010/main">
-    <mc:Choice Requires="p14">
-      <p:transition spd="med" p14:dur="700">
-        <p:fade/>
-      </p:transition>
-    </mc:Choice>
-    <mc:Fallback xmlns="">
-      <p:transition spd="med">
-        <p:fade/>
-      </p:transition>
-    </mc:Fallback>
-  </mc:AlternateContent>
-</p:sld>
-</file>
-
 <file path=ppt/slides/slide7.xml><?xml version="1.0" encoding="utf-8"?>
 <p:sld xmlns:a="http://schemas.openxmlformats.org/drawingml/2006/main" xmlns:r="http://schemas.openxmlformats.org/officeDocument/2006/relationships" xmlns:p="http://schemas.openxmlformats.org/presentationml/2006/main">
   <p:cSld>
@@ -8570,7 +8923,7 @@
           <p:cNvPr id="2" name="Заголовок 1">
             <a:extLst>
               <a:ext uri="{FF2B5EF4-FFF2-40B4-BE49-F238E27FC236}">
-                <a16:creationId xmlns:a16="http://schemas.microsoft.com/office/drawing/2014/main" id="{CFE0D809-BD8F-4A15-3BDB-DD1E686628F3}"/>
+                <a16:creationId xmlns:a16="http://schemas.microsoft.com/office/drawing/2014/main" id="{EB95F82F-1EB5-583F-6A4F-D81FA7090598}"/>
               </a:ext>
             </a:extLst>
           </p:cNvPr>
@@ -8583,9 +8936,7 @@
         </p:nvSpPr>
         <p:spPr/>
         <p:txBody>
-          <a:bodyPr>
-            <a:normAutofit/>
-          </a:bodyPr>
+          <a:bodyPr/>
           <a:lstStyle/>
           <a:p>
             <a:pPr algn="ctr"/>
@@ -8596,6 +8947,7 @@
               </a:rPr>
               <a:t>Предметная область</a:t>
             </a:r>
+            <a:endParaRPr lang="ru-RU" dirty="0"/>
           </a:p>
         </p:txBody>
       </p:sp>
@@ -8604,7 +8956,7 @@
           <p:cNvPr id="3" name="Объект 2">
             <a:extLst>
               <a:ext uri="{FF2B5EF4-FFF2-40B4-BE49-F238E27FC236}">
-                <a16:creationId xmlns:a16="http://schemas.microsoft.com/office/drawing/2014/main" id="{599C5426-0DCF-B700-F9C6-024E3CFEE7D9}"/>
+                <a16:creationId xmlns:a16="http://schemas.microsoft.com/office/drawing/2014/main" id="{699E9281-6987-B9AF-B3B0-20591D3310EE}"/>
               </a:ext>
             </a:extLst>
           </p:cNvPr>
@@ -8615,49 +8967,43 @@
             <p:ph idx="1"/>
           </p:nvPr>
         </p:nvSpPr>
-        <p:spPr/>
+        <p:spPr>
+          <a:xfrm>
+            <a:off x="1104293" y="1331259"/>
+            <a:ext cx="8946541" cy="4195481"/>
+          </a:xfrm>
+        </p:spPr>
         <p:txBody>
           <a:bodyPr/>
           <a:lstStyle/>
           <a:p>
-            <a:endParaRPr lang="ru-RU"/>
-          </a:p>
-        </p:txBody>
-      </p:sp>
-      <p:pic>
-        <p:nvPicPr>
-          <p:cNvPr id="4" name="Рисунок 3">
-            <a:extLst>
-              <a:ext uri="{FF2B5EF4-FFF2-40B4-BE49-F238E27FC236}">
-                <a16:creationId xmlns:a16="http://schemas.microsoft.com/office/drawing/2014/main" id="{8977BAAA-C3E6-AA6C-9A15-B07043572DEB}"/>
-              </a:ext>
-            </a:extLst>
-          </p:cNvPr>
-          <p:cNvPicPr>
-            <a:picLocks noChangeAspect="1"/>
-          </p:cNvPicPr>
-          <p:nvPr/>
-        </p:nvPicPr>
-        <p:blipFill>
-          <a:blip r:embed="rId2"/>
-          <a:stretch>
-            <a:fillRect/>
-          </a:stretch>
-        </p:blipFill>
-        <p:spPr>
-          <a:xfrm>
-            <a:off x="0" y="1320482"/>
-            <a:ext cx="12192000" cy="5537518"/>
-          </a:xfrm>
-          <a:prstGeom prst="rect">
-            <a:avLst/>
-          </a:prstGeom>
-        </p:spPr>
-      </p:pic>
+            <a:pPr marL="0" indent="0" algn="just">
+              <a:lnSpc>
+                <a:spcPct val="150000"/>
+              </a:lnSpc>
+              <a:buNone/>
+            </a:pPr>
+            <a:r>
+              <a:rPr lang="en-US" dirty="0">
+                <a:latin typeface="Times New Roman" panose="02020603050405020304" pitchFamily="18" charset="0"/>
+                <a:cs typeface="Times New Roman" panose="02020603050405020304" pitchFamily="18" charset="0"/>
+              </a:rPr>
+              <a:t>		</a:t>
+            </a:r>
+            <a:r>
+              <a:rPr lang="ru-RU" dirty="0">
+                <a:latin typeface="Times New Roman" panose="02020603050405020304" pitchFamily="18" charset="0"/>
+                <a:cs typeface="Times New Roman" panose="02020603050405020304" pitchFamily="18" charset="0"/>
+              </a:rPr>
+              <a:t>Приказы об участии в мероприятиях определяют участие технопарка и его учеников в различных научных, культурных и спортивных мероприятиях. Они могут касаться как внутренней организации мероприятий (конкурсов, выставок, олимпиад), так и внешнего сотрудничества с другими учреждениями. Основная цель — активное участие учеников в разнообразных событиях для повышения их навыков, расширения кругозора и развития социальных связей.</a:t>
+            </a:r>
+          </a:p>
+        </p:txBody>
+      </p:sp>
     </p:spTree>
     <p:extLst>
       <p:ext uri="{BB962C8B-B14F-4D97-AF65-F5344CB8AC3E}">
-        <p14:creationId xmlns:p14="http://schemas.microsoft.com/office/powerpoint/2010/main" val="3754470832"/>
+        <p14:creationId xmlns:p14="http://schemas.microsoft.com/office/powerpoint/2010/main" val="1399291202"/>
       </p:ext>
     </p:extLst>
   </p:cSld>
@@ -8701,7 +9047,7 @@
           <p:cNvPr id="2" name="Заголовок 1">
             <a:extLst>
               <a:ext uri="{FF2B5EF4-FFF2-40B4-BE49-F238E27FC236}">
-                <a16:creationId xmlns:a16="http://schemas.microsoft.com/office/drawing/2014/main" id="{EB95F82F-1EB5-583F-6A4F-D81FA7090598}"/>
+                <a16:creationId xmlns:a16="http://schemas.microsoft.com/office/drawing/2014/main" id="{CFE0D809-BD8F-4A15-3BDB-DD1E686628F3}"/>
               </a:ext>
             </a:extLst>
           </p:cNvPr>
@@ -8714,7 +9060,9 @@
         </p:nvSpPr>
         <p:spPr/>
         <p:txBody>
-          <a:bodyPr/>
+          <a:bodyPr>
+            <a:normAutofit/>
+          </a:bodyPr>
           <a:lstStyle/>
           <a:p>
             <a:pPr algn="ctr"/>
@@ -8725,7 +9073,6 @@
               </a:rPr>
               <a:t>Предметная область</a:t>
             </a:r>
-            <a:endParaRPr lang="ru-RU" dirty="0"/>
           </a:p>
         </p:txBody>
       </p:sp>
@@ -8734,7 +9081,7 @@
           <p:cNvPr id="3" name="Объект 2">
             <a:extLst>
               <a:ext uri="{FF2B5EF4-FFF2-40B4-BE49-F238E27FC236}">
-                <a16:creationId xmlns:a16="http://schemas.microsoft.com/office/drawing/2014/main" id="{699E9281-6987-B9AF-B3B0-20591D3310EE}"/>
+                <a16:creationId xmlns:a16="http://schemas.microsoft.com/office/drawing/2014/main" id="{599C5426-0DCF-B700-F9C6-024E3CFEE7D9}"/>
               </a:ext>
             </a:extLst>
           </p:cNvPr>
@@ -8745,43 +9092,49 @@
             <p:ph idx="1"/>
           </p:nvPr>
         </p:nvSpPr>
+        <p:spPr/>
+        <p:txBody>
+          <a:bodyPr/>
+          <a:lstStyle/>
+          <a:p>
+            <a:endParaRPr lang="ru-RU"/>
+          </a:p>
+        </p:txBody>
+      </p:sp>
+      <p:pic>
+        <p:nvPicPr>
+          <p:cNvPr id="4" name="Рисунок 3">
+            <a:extLst>
+              <a:ext uri="{FF2B5EF4-FFF2-40B4-BE49-F238E27FC236}">
+                <a16:creationId xmlns:a16="http://schemas.microsoft.com/office/drawing/2014/main" id="{8977BAAA-C3E6-AA6C-9A15-B07043572DEB}"/>
+              </a:ext>
+            </a:extLst>
+          </p:cNvPr>
+          <p:cNvPicPr>
+            <a:picLocks noChangeAspect="1"/>
+          </p:cNvPicPr>
+          <p:nvPr/>
+        </p:nvPicPr>
+        <p:blipFill>
+          <a:blip r:embed="rId2"/>
+          <a:stretch>
+            <a:fillRect/>
+          </a:stretch>
+        </p:blipFill>
         <p:spPr>
           <a:xfrm>
-            <a:off x="1104293" y="1331259"/>
-            <a:ext cx="8946541" cy="4195481"/>
+            <a:off x="0" y="1320482"/>
+            <a:ext cx="12192000" cy="5537518"/>
           </a:xfrm>
+          <a:prstGeom prst="rect">
+            <a:avLst/>
+          </a:prstGeom>
         </p:spPr>
-        <p:txBody>
-          <a:bodyPr/>
-          <a:lstStyle/>
-          <a:p>
-            <a:pPr marL="0" indent="0" algn="just">
-              <a:lnSpc>
-                <a:spcPct val="150000"/>
-              </a:lnSpc>
-              <a:buNone/>
-            </a:pPr>
-            <a:r>
-              <a:rPr lang="en-US" dirty="0">
-                <a:latin typeface="Times New Roman" panose="02020603050405020304" pitchFamily="18" charset="0"/>
-                <a:cs typeface="Times New Roman" panose="02020603050405020304" pitchFamily="18" charset="0"/>
-              </a:rPr>
-              <a:t>		</a:t>
-            </a:r>
-            <a:r>
-              <a:rPr lang="ru-RU" dirty="0">
-                <a:latin typeface="Times New Roman" panose="02020603050405020304" pitchFamily="18" charset="0"/>
-                <a:cs typeface="Times New Roman" panose="02020603050405020304" pitchFamily="18" charset="0"/>
-              </a:rPr>
-              <a:t>Приказы об участии в мероприятиях определяют участие технопарка и его учеников в различных научных, культурных и спортивных мероприятиях. Они могут касаться как внутренней организации мероприятий (конкурсов, выставок, олимпиад), так и внешнего сотрудничества с другими учреждениями. Основная цель — активное участие учеников в разнообразных событиях для повышения их навыков, расширения кругозора и развития социальных связей.</a:t>
-            </a:r>
-          </a:p>
-        </p:txBody>
-      </p:sp>
+      </p:pic>
     </p:spTree>
     <p:extLst>
       <p:ext uri="{BB962C8B-B14F-4D97-AF65-F5344CB8AC3E}">
-        <p14:creationId xmlns:p14="http://schemas.microsoft.com/office/powerpoint/2010/main" val="1399291202"/>
+        <p14:creationId xmlns:p14="http://schemas.microsoft.com/office/powerpoint/2010/main" val="3754470832"/>
       </p:ext>
     </p:extLst>
   </p:cSld>
